--- a/Learning Exercises/DataViz/DataVizDay1.pptx
+++ b/Learning Exercises/DataViz/DataVizDay1.pptx
@@ -107,6 +107,11 @@
       </a:defRPr>
     </a:lvl9pPr>
   </p:defaultTextStyle>
+  <p:extLst>
+    <p:ext uri="{EFAFB233-063F-42B5-8137-9DF3F51BA10A}">
+      <p15:sldGuideLst xmlns:p15="http://schemas.microsoft.com/office/powerpoint/2012/main"/>
+    </p:ext>
+  </p:extLst>
 </p:presentation>
 </file>
 
@@ -241,7 +246,7 @@
           <a:p>
             <a:fld id="{72FB33DE-5FEF-4BE7-9478-6D8164E41CF3}" type="datetimeFigureOut">
               <a:rPr lang="en-US" smtClean="0"/>
-              <a:t>6/21/2017</a:t>
+              <a:t>6/22/2017</a:t>
             </a:fld>
             <a:endParaRPr lang="en-US"/>
           </a:p>
@@ -411,7 +416,7 @@
           <a:p>
             <a:fld id="{72FB33DE-5FEF-4BE7-9478-6D8164E41CF3}" type="datetimeFigureOut">
               <a:rPr lang="en-US" smtClean="0"/>
-              <a:t>6/21/2017</a:t>
+              <a:t>6/22/2017</a:t>
             </a:fld>
             <a:endParaRPr lang="en-US"/>
           </a:p>
@@ -591,7 +596,7 @@
           <a:p>
             <a:fld id="{72FB33DE-5FEF-4BE7-9478-6D8164E41CF3}" type="datetimeFigureOut">
               <a:rPr lang="en-US" smtClean="0"/>
-              <a:t>6/21/2017</a:t>
+              <a:t>6/22/2017</a:t>
             </a:fld>
             <a:endParaRPr lang="en-US"/>
           </a:p>
@@ -761,7 +766,7 @@
           <a:p>
             <a:fld id="{72FB33DE-5FEF-4BE7-9478-6D8164E41CF3}" type="datetimeFigureOut">
               <a:rPr lang="en-US" smtClean="0"/>
-              <a:t>6/21/2017</a:t>
+              <a:t>6/22/2017</a:t>
             </a:fld>
             <a:endParaRPr lang="en-US"/>
           </a:p>
@@ -1007,7 +1012,7 @@
           <a:p>
             <a:fld id="{72FB33DE-5FEF-4BE7-9478-6D8164E41CF3}" type="datetimeFigureOut">
               <a:rPr lang="en-US" smtClean="0"/>
-              <a:t>6/21/2017</a:t>
+              <a:t>6/22/2017</a:t>
             </a:fld>
             <a:endParaRPr lang="en-US"/>
           </a:p>
@@ -1239,7 +1244,7 @@
           <a:p>
             <a:fld id="{72FB33DE-5FEF-4BE7-9478-6D8164E41CF3}" type="datetimeFigureOut">
               <a:rPr lang="en-US" smtClean="0"/>
-              <a:t>6/21/2017</a:t>
+              <a:t>6/22/2017</a:t>
             </a:fld>
             <a:endParaRPr lang="en-US"/>
           </a:p>
@@ -1606,7 +1611,7 @@
           <a:p>
             <a:fld id="{72FB33DE-5FEF-4BE7-9478-6D8164E41CF3}" type="datetimeFigureOut">
               <a:rPr lang="en-US" smtClean="0"/>
-              <a:t>6/21/2017</a:t>
+              <a:t>6/22/2017</a:t>
             </a:fld>
             <a:endParaRPr lang="en-US"/>
           </a:p>
@@ -1724,7 +1729,7 @@
           <a:p>
             <a:fld id="{72FB33DE-5FEF-4BE7-9478-6D8164E41CF3}" type="datetimeFigureOut">
               <a:rPr lang="en-US" smtClean="0"/>
-              <a:t>6/21/2017</a:t>
+              <a:t>6/22/2017</a:t>
             </a:fld>
             <a:endParaRPr lang="en-US"/>
           </a:p>
@@ -1819,7 +1824,7 @@
           <a:p>
             <a:fld id="{72FB33DE-5FEF-4BE7-9478-6D8164E41CF3}" type="datetimeFigureOut">
               <a:rPr lang="en-US" smtClean="0"/>
-              <a:t>6/21/2017</a:t>
+              <a:t>6/22/2017</a:t>
             </a:fld>
             <a:endParaRPr lang="en-US"/>
           </a:p>
@@ -2096,7 +2101,7 @@
           <a:p>
             <a:fld id="{72FB33DE-5FEF-4BE7-9478-6D8164E41CF3}" type="datetimeFigureOut">
               <a:rPr lang="en-US" smtClean="0"/>
-              <a:t>6/21/2017</a:t>
+              <a:t>6/22/2017</a:t>
             </a:fld>
             <a:endParaRPr lang="en-US"/>
           </a:p>
@@ -2349,7 +2354,7 @@
           <a:p>
             <a:fld id="{72FB33DE-5FEF-4BE7-9478-6D8164E41CF3}" type="datetimeFigureOut">
               <a:rPr lang="en-US" smtClean="0"/>
-              <a:t>6/21/2017</a:t>
+              <a:t>6/22/2017</a:t>
             </a:fld>
             <a:endParaRPr lang="en-US"/>
           </a:p>
@@ -2562,7 +2567,7 @@
           <a:p>
             <a:fld id="{72FB33DE-5FEF-4BE7-9478-6D8164E41CF3}" type="datetimeFigureOut">
               <a:rPr lang="en-US" smtClean="0"/>
-              <a:t>6/21/2017</a:t>
+              <a:t>6/22/2017</a:t>
             </a:fld>
             <a:endParaRPr lang="en-US"/>
           </a:p>
@@ -2987,8 +2992,8 @@
               <a:t>Data </a:t>
             </a:r>
             <a:r>
-              <a:rPr lang="en-US" dirty="0" err="1" smtClean="0"/>
-              <a:t>Vizualization</a:t>
+              <a:rPr lang="en-US" dirty="0" smtClean="0"/>
+              <a:t>Visualization</a:t>
             </a:r>
             <a:endParaRPr lang="en-US" dirty="0"/>
           </a:p>
@@ -3032,6 +3037,13 @@
   <p:clrMapOvr>
     <a:masterClrMapping/>
   </p:clrMapOvr>
+  <p:timing>
+    <p:tnLst>
+      <p:par>
+        <p:cTn id="1" dur="indefinite" restart="never" nodeType="tmRoot"/>
+      </p:par>
+    </p:tnLst>
+  </p:timing>
 </p:sld>
 </file>
 
@@ -3465,6 +3477,13 @@
   <p:clrMapOvr>
     <a:masterClrMapping/>
   </p:clrMapOvr>
+  <p:timing>
+    <p:tnLst>
+      <p:par>
+        <p:cTn id="1" dur="indefinite" restart="never" nodeType="tmRoot"/>
+      </p:par>
+    </p:tnLst>
+  </p:timing>
 </p:sld>
 </file>
 
@@ -3907,6 +3926,13 @@
   <p:clrMapOvr>
     <a:masterClrMapping/>
   </p:clrMapOvr>
+  <p:timing>
+    <p:tnLst>
+      <p:par>
+        <p:cTn id="1" dur="indefinite" restart="never" nodeType="tmRoot"/>
+      </p:par>
+    </p:tnLst>
+  </p:timing>
 </p:sld>
 </file>
 
@@ -4002,6 +4028,13 @@
   <p:clrMapOvr>
     <a:masterClrMapping/>
   </p:clrMapOvr>
+  <p:timing>
+    <p:tnLst>
+      <p:par>
+        <p:cTn id="1" dur="indefinite" restart="never" nodeType="tmRoot"/>
+      </p:par>
+    </p:tnLst>
+  </p:timing>
 </p:sld>
 </file>
 
